--- a/ppt 16-9/1398.你若口里认耶.pptx
+++ b/ppt 16-9/1398.你若口里认耶.pptx
@@ -129,7 +129,7 @@
           <p:cNvPr id="2" name="标题 1">
             <a:extLst>
               <a:ext uri="{FF2B5EF4-FFF2-40B4-BE49-F238E27FC236}">
-                <a16:creationId xmlns:a16="http://schemas.microsoft.com/office/drawing/2014/main" id="{67C848AA-12B4-B60C-4EEA-719DCBEF74E6}"/>
+                <a16:creationId xmlns:a16="http://schemas.microsoft.com/office/drawing/2014/main" id="{18855006-3843-BC77-317C-25E81997DC42}"/>
               </a:ext>
             </a:extLst>
           </p:cNvPr>
@@ -166,7 +166,7 @@
           <p:cNvPr id="3" name="副标题 2">
             <a:extLst>
               <a:ext uri="{FF2B5EF4-FFF2-40B4-BE49-F238E27FC236}">
-                <a16:creationId xmlns:a16="http://schemas.microsoft.com/office/drawing/2014/main" id="{3D38AE22-E667-1D20-ECB4-8D6497E54F95}"/>
+                <a16:creationId xmlns:a16="http://schemas.microsoft.com/office/drawing/2014/main" id="{01256394-6059-4839-A929-C583AD5B7530}"/>
               </a:ext>
             </a:extLst>
           </p:cNvPr>
@@ -236,7 +236,7 @@
           <p:cNvPr id="4" name="日期占位符 3">
             <a:extLst>
               <a:ext uri="{FF2B5EF4-FFF2-40B4-BE49-F238E27FC236}">
-                <a16:creationId xmlns:a16="http://schemas.microsoft.com/office/drawing/2014/main" id="{DB2B718A-75AD-6EFE-6492-0698D35A341D}"/>
+                <a16:creationId xmlns:a16="http://schemas.microsoft.com/office/drawing/2014/main" id="{732DF9D2-9F96-9A09-61B2-6C1D65FB2CDB}"/>
               </a:ext>
             </a:extLst>
           </p:cNvPr>
@@ -252,7 +252,7 @@
           <a:bodyPr/>
           <a:lstStyle/>
           <a:p>
-            <a:fld id="{C94B0429-DBCE-45FE-9445-AA0EF2616E0B}" type="datetimeFigureOut">
+            <a:fld id="{8021D4EA-6306-4DC9-8CED-1DEE7E8F432E}" type="datetimeFigureOut">
               <a:rPr lang="zh-CN" altLang="en-US" smtClean="0"/>
               <a:t>2024/3/10</a:t>
             </a:fld>
@@ -265,7 +265,7 @@
           <p:cNvPr id="5" name="页脚占位符 4">
             <a:extLst>
               <a:ext uri="{FF2B5EF4-FFF2-40B4-BE49-F238E27FC236}">
-                <a16:creationId xmlns:a16="http://schemas.microsoft.com/office/drawing/2014/main" id="{24D3CA0C-2FC6-BCA9-9559-1FEE64DED30A}"/>
+                <a16:creationId xmlns:a16="http://schemas.microsoft.com/office/drawing/2014/main" id="{F62B4485-9E6C-AF36-114D-4D3D76E88793}"/>
               </a:ext>
             </a:extLst>
           </p:cNvPr>
@@ -290,7 +290,7 @@
           <p:cNvPr id="6" name="灯片编号占位符 5">
             <a:extLst>
               <a:ext uri="{FF2B5EF4-FFF2-40B4-BE49-F238E27FC236}">
-                <a16:creationId xmlns:a16="http://schemas.microsoft.com/office/drawing/2014/main" id="{5C78ACDE-7D25-C161-0A57-FACC0FDC4A23}"/>
+                <a16:creationId xmlns:a16="http://schemas.microsoft.com/office/drawing/2014/main" id="{8B22F01C-5658-AC3B-FD21-3B4A53F06DD1}"/>
               </a:ext>
             </a:extLst>
           </p:cNvPr>
@@ -306,7 +306,7 @@
           <a:bodyPr/>
           <a:lstStyle/>
           <a:p>
-            <a:fld id="{67B2B0A5-48A0-406A-82D2-F067E6E464FE}" type="slidenum">
+            <a:fld id="{77242999-78E5-4816-8714-51AC53BA007C}" type="slidenum">
               <a:rPr lang="zh-CN" altLang="en-US" smtClean="0"/>
               <a:t>‹#›</a:t>
             </a:fld>
@@ -317,7 +317,7 @@
     </p:spTree>
     <p:extLst>
       <p:ext uri="{BB962C8B-B14F-4D97-AF65-F5344CB8AC3E}">
-        <p14:creationId xmlns:p14="http://schemas.microsoft.com/office/powerpoint/2010/main" val="2916880956"/>
+        <p14:creationId xmlns:p14="http://schemas.microsoft.com/office/powerpoint/2010/main" val="1216616243"/>
       </p:ext>
     </p:extLst>
   </p:cSld>
@@ -349,7 +349,7 @@
           <p:cNvPr id="2" name="标题 1">
             <a:extLst>
               <a:ext uri="{FF2B5EF4-FFF2-40B4-BE49-F238E27FC236}">
-                <a16:creationId xmlns:a16="http://schemas.microsoft.com/office/drawing/2014/main" id="{CE895963-5717-7C38-D0C7-DF4FE4EC4B8B}"/>
+                <a16:creationId xmlns:a16="http://schemas.microsoft.com/office/drawing/2014/main" id="{DE0A622B-15E4-4C78-0E79-C548D3109A13}"/>
               </a:ext>
             </a:extLst>
           </p:cNvPr>
@@ -377,7 +377,7 @@
           <p:cNvPr id="3" name="竖排文字占位符 2">
             <a:extLst>
               <a:ext uri="{FF2B5EF4-FFF2-40B4-BE49-F238E27FC236}">
-                <a16:creationId xmlns:a16="http://schemas.microsoft.com/office/drawing/2014/main" id="{05AF3FCF-E1E3-D35D-0E94-D0246E381333}"/>
+                <a16:creationId xmlns:a16="http://schemas.microsoft.com/office/drawing/2014/main" id="{110867AF-BACF-C60F-ADB1-BFA94338501A}"/>
               </a:ext>
             </a:extLst>
           </p:cNvPr>
@@ -434,7 +434,7 @@
           <p:cNvPr id="4" name="日期占位符 3">
             <a:extLst>
               <a:ext uri="{FF2B5EF4-FFF2-40B4-BE49-F238E27FC236}">
-                <a16:creationId xmlns:a16="http://schemas.microsoft.com/office/drawing/2014/main" id="{76073E8C-4952-ED89-387F-CA4A75DF57DF}"/>
+                <a16:creationId xmlns:a16="http://schemas.microsoft.com/office/drawing/2014/main" id="{4B3F94EA-0C4F-555B-2C35-5E5D269FD202}"/>
               </a:ext>
             </a:extLst>
           </p:cNvPr>
@@ -450,7 +450,7 @@
           <a:bodyPr/>
           <a:lstStyle/>
           <a:p>
-            <a:fld id="{C94B0429-DBCE-45FE-9445-AA0EF2616E0B}" type="datetimeFigureOut">
+            <a:fld id="{8021D4EA-6306-4DC9-8CED-1DEE7E8F432E}" type="datetimeFigureOut">
               <a:rPr lang="zh-CN" altLang="en-US" smtClean="0"/>
               <a:t>2024/3/10</a:t>
             </a:fld>
@@ -463,7 +463,7 @@
           <p:cNvPr id="5" name="页脚占位符 4">
             <a:extLst>
               <a:ext uri="{FF2B5EF4-FFF2-40B4-BE49-F238E27FC236}">
-                <a16:creationId xmlns:a16="http://schemas.microsoft.com/office/drawing/2014/main" id="{C6D9A3DE-2B8F-8DED-53E1-8185DF85C08C}"/>
+                <a16:creationId xmlns:a16="http://schemas.microsoft.com/office/drawing/2014/main" id="{78C6293B-CA0F-D0EE-1F88-470976804B88}"/>
               </a:ext>
             </a:extLst>
           </p:cNvPr>
@@ -488,7 +488,7 @@
           <p:cNvPr id="6" name="灯片编号占位符 5">
             <a:extLst>
               <a:ext uri="{FF2B5EF4-FFF2-40B4-BE49-F238E27FC236}">
-                <a16:creationId xmlns:a16="http://schemas.microsoft.com/office/drawing/2014/main" id="{F74DA6E6-6B37-B48F-4290-72DAC2AD8BE9}"/>
+                <a16:creationId xmlns:a16="http://schemas.microsoft.com/office/drawing/2014/main" id="{CD62E8AC-F0A3-EC73-1BFA-CBD8B4118C5C}"/>
               </a:ext>
             </a:extLst>
           </p:cNvPr>
@@ -504,7 +504,7 @@
           <a:bodyPr/>
           <a:lstStyle/>
           <a:p>
-            <a:fld id="{67B2B0A5-48A0-406A-82D2-F067E6E464FE}" type="slidenum">
+            <a:fld id="{77242999-78E5-4816-8714-51AC53BA007C}" type="slidenum">
               <a:rPr lang="zh-CN" altLang="en-US" smtClean="0"/>
               <a:t>‹#›</a:t>
             </a:fld>
@@ -515,7 +515,7 @@
     </p:spTree>
     <p:extLst>
       <p:ext uri="{BB962C8B-B14F-4D97-AF65-F5344CB8AC3E}">
-        <p14:creationId xmlns:p14="http://schemas.microsoft.com/office/powerpoint/2010/main" val="2335956674"/>
+        <p14:creationId xmlns:p14="http://schemas.microsoft.com/office/powerpoint/2010/main" val="3413158277"/>
       </p:ext>
     </p:extLst>
   </p:cSld>
@@ -547,7 +547,7 @@
           <p:cNvPr id="2" name="竖排标题 1">
             <a:extLst>
               <a:ext uri="{FF2B5EF4-FFF2-40B4-BE49-F238E27FC236}">
-                <a16:creationId xmlns:a16="http://schemas.microsoft.com/office/drawing/2014/main" id="{00ABF958-CF06-639A-1630-045C94DDAAA9}"/>
+                <a16:creationId xmlns:a16="http://schemas.microsoft.com/office/drawing/2014/main" id="{377FEE72-84DE-34FF-44EE-921707F209D2}"/>
               </a:ext>
             </a:extLst>
           </p:cNvPr>
@@ -580,7 +580,7 @@
           <p:cNvPr id="3" name="竖排文字占位符 2">
             <a:extLst>
               <a:ext uri="{FF2B5EF4-FFF2-40B4-BE49-F238E27FC236}">
-                <a16:creationId xmlns:a16="http://schemas.microsoft.com/office/drawing/2014/main" id="{984355EC-7F02-9CD1-A761-8553040C751E}"/>
+                <a16:creationId xmlns:a16="http://schemas.microsoft.com/office/drawing/2014/main" id="{EE5E4F65-790A-2BD1-E68F-9C22AE8B9BC7}"/>
               </a:ext>
             </a:extLst>
           </p:cNvPr>
@@ -642,7 +642,7 @@
           <p:cNvPr id="4" name="日期占位符 3">
             <a:extLst>
               <a:ext uri="{FF2B5EF4-FFF2-40B4-BE49-F238E27FC236}">
-                <a16:creationId xmlns:a16="http://schemas.microsoft.com/office/drawing/2014/main" id="{D6708C87-C780-E180-2788-10B0E7B6468C}"/>
+                <a16:creationId xmlns:a16="http://schemas.microsoft.com/office/drawing/2014/main" id="{FF5599C6-9736-7075-393C-569106D3FDEF}"/>
               </a:ext>
             </a:extLst>
           </p:cNvPr>
@@ -658,7 +658,7 @@
           <a:bodyPr/>
           <a:lstStyle/>
           <a:p>
-            <a:fld id="{C94B0429-DBCE-45FE-9445-AA0EF2616E0B}" type="datetimeFigureOut">
+            <a:fld id="{8021D4EA-6306-4DC9-8CED-1DEE7E8F432E}" type="datetimeFigureOut">
               <a:rPr lang="zh-CN" altLang="en-US" smtClean="0"/>
               <a:t>2024/3/10</a:t>
             </a:fld>
@@ -671,7 +671,7 @@
           <p:cNvPr id="5" name="页脚占位符 4">
             <a:extLst>
               <a:ext uri="{FF2B5EF4-FFF2-40B4-BE49-F238E27FC236}">
-                <a16:creationId xmlns:a16="http://schemas.microsoft.com/office/drawing/2014/main" id="{CB8FD10B-81A2-3B75-AB72-FDD2E315685E}"/>
+                <a16:creationId xmlns:a16="http://schemas.microsoft.com/office/drawing/2014/main" id="{8CBE5CB8-F651-D276-FD0D-22DB4561D703}"/>
               </a:ext>
             </a:extLst>
           </p:cNvPr>
@@ -696,7 +696,7 @@
           <p:cNvPr id="6" name="灯片编号占位符 5">
             <a:extLst>
               <a:ext uri="{FF2B5EF4-FFF2-40B4-BE49-F238E27FC236}">
-                <a16:creationId xmlns:a16="http://schemas.microsoft.com/office/drawing/2014/main" id="{E154A602-E195-3310-9AA6-E7414C0655C7}"/>
+                <a16:creationId xmlns:a16="http://schemas.microsoft.com/office/drawing/2014/main" id="{75D2D9E7-867C-6B5D-3801-D48E6C858FE5}"/>
               </a:ext>
             </a:extLst>
           </p:cNvPr>
@@ -712,7 +712,7 @@
           <a:bodyPr/>
           <a:lstStyle/>
           <a:p>
-            <a:fld id="{67B2B0A5-48A0-406A-82D2-F067E6E464FE}" type="slidenum">
+            <a:fld id="{77242999-78E5-4816-8714-51AC53BA007C}" type="slidenum">
               <a:rPr lang="zh-CN" altLang="en-US" smtClean="0"/>
               <a:t>‹#›</a:t>
             </a:fld>
@@ -723,7 +723,7 @@
     </p:spTree>
     <p:extLst>
       <p:ext uri="{BB962C8B-B14F-4D97-AF65-F5344CB8AC3E}">
-        <p14:creationId xmlns:p14="http://schemas.microsoft.com/office/powerpoint/2010/main" val="3850932951"/>
+        <p14:creationId xmlns:p14="http://schemas.microsoft.com/office/powerpoint/2010/main" val="3027315238"/>
       </p:ext>
     </p:extLst>
   </p:cSld>
@@ -755,7 +755,7 @@
           <p:cNvPr id="2" name="标题 1">
             <a:extLst>
               <a:ext uri="{FF2B5EF4-FFF2-40B4-BE49-F238E27FC236}">
-                <a16:creationId xmlns:a16="http://schemas.microsoft.com/office/drawing/2014/main" id="{BDA68FA7-5CA6-085A-D6A6-4E77B376C640}"/>
+                <a16:creationId xmlns:a16="http://schemas.microsoft.com/office/drawing/2014/main" id="{D6BC2FFA-124A-14E5-E6AC-FC0A3C835599}"/>
               </a:ext>
             </a:extLst>
           </p:cNvPr>
@@ -783,7 +783,7 @@
           <p:cNvPr id="3" name="内容占位符 2">
             <a:extLst>
               <a:ext uri="{FF2B5EF4-FFF2-40B4-BE49-F238E27FC236}">
-                <a16:creationId xmlns:a16="http://schemas.microsoft.com/office/drawing/2014/main" id="{9EF827E7-2236-FA6F-D613-5FD49BE6AD92}"/>
+                <a16:creationId xmlns:a16="http://schemas.microsoft.com/office/drawing/2014/main" id="{2D4314F3-1085-B098-864B-BE44CE35A24E}"/>
               </a:ext>
             </a:extLst>
           </p:cNvPr>
@@ -840,7 +840,7 @@
           <p:cNvPr id="4" name="日期占位符 3">
             <a:extLst>
               <a:ext uri="{FF2B5EF4-FFF2-40B4-BE49-F238E27FC236}">
-                <a16:creationId xmlns:a16="http://schemas.microsoft.com/office/drawing/2014/main" id="{A15448A4-B56F-774C-0E69-986A927229D8}"/>
+                <a16:creationId xmlns:a16="http://schemas.microsoft.com/office/drawing/2014/main" id="{DF3BB84C-1BA2-7017-6A62-C175C7059323}"/>
               </a:ext>
             </a:extLst>
           </p:cNvPr>
@@ -856,7 +856,7 @@
           <a:bodyPr/>
           <a:lstStyle/>
           <a:p>
-            <a:fld id="{C94B0429-DBCE-45FE-9445-AA0EF2616E0B}" type="datetimeFigureOut">
+            <a:fld id="{8021D4EA-6306-4DC9-8CED-1DEE7E8F432E}" type="datetimeFigureOut">
               <a:rPr lang="zh-CN" altLang="en-US" smtClean="0"/>
               <a:t>2024/3/10</a:t>
             </a:fld>
@@ -869,7 +869,7 @@
           <p:cNvPr id="5" name="页脚占位符 4">
             <a:extLst>
               <a:ext uri="{FF2B5EF4-FFF2-40B4-BE49-F238E27FC236}">
-                <a16:creationId xmlns:a16="http://schemas.microsoft.com/office/drawing/2014/main" id="{E22E4ED8-67FF-E9F6-5593-38A752451722}"/>
+                <a16:creationId xmlns:a16="http://schemas.microsoft.com/office/drawing/2014/main" id="{50BFC79C-C569-E446-E623-58436374A63E}"/>
               </a:ext>
             </a:extLst>
           </p:cNvPr>
@@ -894,7 +894,7 @@
           <p:cNvPr id="6" name="灯片编号占位符 5">
             <a:extLst>
               <a:ext uri="{FF2B5EF4-FFF2-40B4-BE49-F238E27FC236}">
-                <a16:creationId xmlns:a16="http://schemas.microsoft.com/office/drawing/2014/main" id="{DE2C783A-E896-D362-3F86-9D07DE169BE8}"/>
+                <a16:creationId xmlns:a16="http://schemas.microsoft.com/office/drawing/2014/main" id="{B6EFBEBF-1E7B-725B-CE80-CDD04D5F34B0}"/>
               </a:ext>
             </a:extLst>
           </p:cNvPr>
@@ -910,7 +910,7 @@
           <a:bodyPr/>
           <a:lstStyle/>
           <a:p>
-            <a:fld id="{67B2B0A5-48A0-406A-82D2-F067E6E464FE}" type="slidenum">
+            <a:fld id="{77242999-78E5-4816-8714-51AC53BA007C}" type="slidenum">
               <a:rPr lang="zh-CN" altLang="en-US" smtClean="0"/>
               <a:t>‹#›</a:t>
             </a:fld>
@@ -921,7 +921,7 @@
     </p:spTree>
     <p:extLst>
       <p:ext uri="{BB962C8B-B14F-4D97-AF65-F5344CB8AC3E}">
-        <p14:creationId xmlns:p14="http://schemas.microsoft.com/office/powerpoint/2010/main" val="212264651"/>
+        <p14:creationId xmlns:p14="http://schemas.microsoft.com/office/powerpoint/2010/main" val="3711086770"/>
       </p:ext>
     </p:extLst>
   </p:cSld>
@@ -953,7 +953,7 @@
           <p:cNvPr id="2" name="标题 1">
             <a:extLst>
               <a:ext uri="{FF2B5EF4-FFF2-40B4-BE49-F238E27FC236}">
-                <a16:creationId xmlns:a16="http://schemas.microsoft.com/office/drawing/2014/main" id="{8163537C-13E7-CC37-9AEB-78D0CB623404}"/>
+                <a16:creationId xmlns:a16="http://schemas.microsoft.com/office/drawing/2014/main" id="{392DCD6A-341F-34DE-5654-027A6F6FD4F0}"/>
               </a:ext>
             </a:extLst>
           </p:cNvPr>
@@ -990,7 +990,7 @@
           <p:cNvPr id="3" name="文本占位符 2">
             <a:extLst>
               <a:ext uri="{FF2B5EF4-FFF2-40B4-BE49-F238E27FC236}">
-                <a16:creationId xmlns:a16="http://schemas.microsoft.com/office/drawing/2014/main" id="{22DDD645-891D-0E9A-7DEB-F8885632EE6E}"/>
+                <a16:creationId xmlns:a16="http://schemas.microsoft.com/office/drawing/2014/main" id="{5E086BDD-FEB0-0E65-4838-B731F6B7D5FA}"/>
               </a:ext>
             </a:extLst>
           </p:cNvPr>
@@ -1115,7 +1115,7 @@
           <p:cNvPr id="4" name="日期占位符 3">
             <a:extLst>
               <a:ext uri="{FF2B5EF4-FFF2-40B4-BE49-F238E27FC236}">
-                <a16:creationId xmlns:a16="http://schemas.microsoft.com/office/drawing/2014/main" id="{98DB0A9B-4008-CEFF-CEBD-CECAD162B599}"/>
+                <a16:creationId xmlns:a16="http://schemas.microsoft.com/office/drawing/2014/main" id="{4589C29E-A270-4616-662B-72A23BDD4900}"/>
               </a:ext>
             </a:extLst>
           </p:cNvPr>
@@ -1131,7 +1131,7 @@
           <a:bodyPr/>
           <a:lstStyle/>
           <a:p>
-            <a:fld id="{C94B0429-DBCE-45FE-9445-AA0EF2616E0B}" type="datetimeFigureOut">
+            <a:fld id="{8021D4EA-6306-4DC9-8CED-1DEE7E8F432E}" type="datetimeFigureOut">
               <a:rPr lang="zh-CN" altLang="en-US" smtClean="0"/>
               <a:t>2024/3/10</a:t>
             </a:fld>
@@ -1144,7 +1144,7 @@
           <p:cNvPr id="5" name="页脚占位符 4">
             <a:extLst>
               <a:ext uri="{FF2B5EF4-FFF2-40B4-BE49-F238E27FC236}">
-                <a16:creationId xmlns:a16="http://schemas.microsoft.com/office/drawing/2014/main" id="{630C5800-4543-1FD9-A12D-D7F0954FA86F}"/>
+                <a16:creationId xmlns:a16="http://schemas.microsoft.com/office/drawing/2014/main" id="{8C1064C3-C73E-B8ED-A0E3-FF2320D6B4BC}"/>
               </a:ext>
             </a:extLst>
           </p:cNvPr>
@@ -1169,7 +1169,7 @@
           <p:cNvPr id="6" name="灯片编号占位符 5">
             <a:extLst>
               <a:ext uri="{FF2B5EF4-FFF2-40B4-BE49-F238E27FC236}">
-                <a16:creationId xmlns:a16="http://schemas.microsoft.com/office/drawing/2014/main" id="{7C76A37C-9A50-C032-D5EC-F96ACA00B89C}"/>
+                <a16:creationId xmlns:a16="http://schemas.microsoft.com/office/drawing/2014/main" id="{D2757CDB-2B5B-6A2C-FA35-60B3CED597D0}"/>
               </a:ext>
             </a:extLst>
           </p:cNvPr>
@@ -1185,7 +1185,7 @@
           <a:bodyPr/>
           <a:lstStyle/>
           <a:p>
-            <a:fld id="{67B2B0A5-48A0-406A-82D2-F067E6E464FE}" type="slidenum">
+            <a:fld id="{77242999-78E5-4816-8714-51AC53BA007C}" type="slidenum">
               <a:rPr lang="zh-CN" altLang="en-US" smtClean="0"/>
               <a:t>‹#›</a:t>
             </a:fld>
@@ -1196,7 +1196,7 @@
     </p:spTree>
     <p:extLst>
       <p:ext uri="{BB962C8B-B14F-4D97-AF65-F5344CB8AC3E}">
-        <p14:creationId xmlns:p14="http://schemas.microsoft.com/office/powerpoint/2010/main" val="2397672691"/>
+        <p14:creationId xmlns:p14="http://schemas.microsoft.com/office/powerpoint/2010/main" val="4173590606"/>
       </p:ext>
     </p:extLst>
   </p:cSld>
@@ -1228,7 +1228,7 @@
           <p:cNvPr id="2" name="标题 1">
             <a:extLst>
               <a:ext uri="{FF2B5EF4-FFF2-40B4-BE49-F238E27FC236}">
-                <a16:creationId xmlns:a16="http://schemas.microsoft.com/office/drawing/2014/main" id="{FC2E3A1C-B796-B89A-78E1-6955B39E9E7C}"/>
+                <a16:creationId xmlns:a16="http://schemas.microsoft.com/office/drawing/2014/main" id="{93DA58A3-9463-853E-2CA8-949A2431131F}"/>
               </a:ext>
             </a:extLst>
           </p:cNvPr>
@@ -1256,7 +1256,7 @@
           <p:cNvPr id="3" name="内容占位符 2">
             <a:extLst>
               <a:ext uri="{FF2B5EF4-FFF2-40B4-BE49-F238E27FC236}">
-                <a16:creationId xmlns:a16="http://schemas.microsoft.com/office/drawing/2014/main" id="{BE78B91D-3E18-088C-BD3E-03EF040CA053}"/>
+                <a16:creationId xmlns:a16="http://schemas.microsoft.com/office/drawing/2014/main" id="{49483235-4FDD-A5B3-99FE-7BBFF233F3F9}"/>
               </a:ext>
             </a:extLst>
           </p:cNvPr>
@@ -1318,7 +1318,7 @@
           <p:cNvPr id="4" name="内容占位符 3">
             <a:extLst>
               <a:ext uri="{FF2B5EF4-FFF2-40B4-BE49-F238E27FC236}">
-                <a16:creationId xmlns:a16="http://schemas.microsoft.com/office/drawing/2014/main" id="{3E11E334-F0C4-1A68-AE9E-2962CD36457A}"/>
+                <a16:creationId xmlns:a16="http://schemas.microsoft.com/office/drawing/2014/main" id="{AA45E833-7F94-E9BD-F954-EC9D747CEC8B}"/>
               </a:ext>
             </a:extLst>
           </p:cNvPr>
@@ -1380,7 +1380,7 @@
           <p:cNvPr id="5" name="日期占位符 4">
             <a:extLst>
               <a:ext uri="{FF2B5EF4-FFF2-40B4-BE49-F238E27FC236}">
-                <a16:creationId xmlns:a16="http://schemas.microsoft.com/office/drawing/2014/main" id="{63B2C045-3B6A-DAEF-F9EF-28603F627ACC}"/>
+                <a16:creationId xmlns:a16="http://schemas.microsoft.com/office/drawing/2014/main" id="{B6D788DA-CA65-AB3C-3235-B26FD83A5AE0}"/>
               </a:ext>
             </a:extLst>
           </p:cNvPr>
@@ -1396,7 +1396,7 @@
           <a:bodyPr/>
           <a:lstStyle/>
           <a:p>
-            <a:fld id="{C94B0429-DBCE-45FE-9445-AA0EF2616E0B}" type="datetimeFigureOut">
+            <a:fld id="{8021D4EA-6306-4DC9-8CED-1DEE7E8F432E}" type="datetimeFigureOut">
               <a:rPr lang="zh-CN" altLang="en-US" smtClean="0"/>
               <a:t>2024/3/10</a:t>
             </a:fld>
@@ -1409,7 +1409,7 @@
           <p:cNvPr id="6" name="页脚占位符 5">
             <a:extLst>
               <a:ext uri="{FF2B5EF4-FFF2-40B4-BE49-F238E27FC236}">
-                <a16:creationId xmlns:a16="http://schemas.microsoft.com/office/drawing/2014/main" id="{AD643488-DC9F-6C3B-A919-DC0DC31A4108}"/>
+                <a16:creationId xmlns:a16="http://schemas.microsoft.com/office/drawing/2014/main" id="{B4CD52EB-3763-71D5-E81D-5F997CA6BBF3}"/>
               </a:ext>
             </a:extLst>
           </p:cNvPr>
@@ -1434,7 +1434,7 @@
           <p:cNvPr id="7" name="灯片编号占位符 6">
             <a:extLst>
               <a:ext uri="{FF2B5EF4-FFF2-40B4-BE49-F238E27FC236}">
-                <a16:creationId xmlns:a16="http://schemas.microsoft.com/office/drawing/2014/main" id="{D3790BDA-01F9-84C3-061B-20ECB01D17B0}"/>
+                <a16:creationId xmlns:a16="http://schemas.microsoft.com/office/drawing/2014/main" id="{A2824C1D-A5F2-799D-2BF7-AB8706EEF4F7}"/>
               </a:ext>
             </a:extLst>
           </p:cNvPr>
@@ -1450,7 +1450,7 @@
           <a:bodyPr/>
           <a:lstStyle/>
           <a:p>
-            <a:fld id="{67B2B0A5-48A0-406A-82D2-F067E6E464FE}" type="slidenum">
+            <a:fld id="{77242999-78E5-4816-8714-51AC53BA007C}" type="slidenum">
               <a:rPr lang="zh-CN" altLang="en-US" smtClean="0"/>
               <a:t>‹#›</a:t>
             </a:fld>
@@ -1461,7 +1461,7 @@
     </p:spTree>
     <p:extLst>
       <p:ext uri="{BB962C8B-B14F-4D97-AF65-F5344CB8AC3E}">
-        <p14:creationId xmlns:p14="http://schemas.microsoft.com/office/powerpoint/2010/main" val="2064057880"/>
+        <p14:creationId xmlns:p14="http://schemas.microsoft.com/office/powerpoint/2010/main" val="1117547325"/>
       </p:ext>
     </p:extLst>
   </p:cSld>
@@ -1493,7 +1493,7 @@
           <p:cNvPr id="2" name="标题 1">
             <a:extLst>
               <a:ext uri="{FF2B5EF4-FFF2-40B4-BE49-F238E27FC236}">
-                <a16:creationId xmlns:a16="http://schemas.microsoft.com/office/drawing/2014/main" id="{693B1090-E52B-7D72-C959-283F24E598B9}"/>
+                <a16:creationId xmlns:a16="http://schemas.microsoft.com/office/drawing/2014/main" id="{2C540DDB-1CBB-F935-F552-1CE3347F38DA}"/>
               </a:ext>
             </a:extLst>
           </p:cNvPr>
@@ -1526,7 +1526,7 @@
           <p:cNvPr id="3" name="文本占位符 2">
             <a:extLst>
               <a:ext uri="{FF2B5EF4-FFF2-40B4-BE49-F238E27FC236}">
-                <a16:creationId xmlns:a16="http://schemas.microsoft.com/office/drawing/2014/main" id="{D62A9873-4B9A-BC31-206E-E1E3696F6AAB}"/>
+                <a16:creationId xmlns:a16="http://schemas.microsoft.com/office/drawing/2014/main" id="{449B6647-D137-A781-75FC-1B716AA66EDE}"/>
               </a:ext>
             </a:extLst>
           </p:cNvPr>
@@ -1597,7 +1597,7 @@
           <p:cNvPr id="4" name="内容占位符 3">
             <a:extLst>
               <a:ext uri="{FF2B5EF4-FFF2-40B4-BE49-F238E27FC236}">
-                <a16:creationId xmlns:a16="http://schemas.microsoft.com/office/drawing/2014/main" id="{E8EA1292-C5DB-80A3-62A6-9B78BF026A48}"/>
+                <a16:creationId xmlns:a16="http://schemas.microsoft.com/office/drawing/2014/main" id="{295C3C2B-F4C8-A2C2-B826-7BBBACE0FCDB}"/>
               </a:ext>
             </a:extLst>
           </p:cNvPr>
@@ -1659,7 +1659,7 @@
           <p:cNvPr id="5" name="文本占位符 4">
             <a:extLst>
               <a:ext uri="{FF2B5EF4-FFF2-40B4-BE49-F238E27FC236}">
-                <a16:creationId xmlns:a16="http://schemas.microsoft.com/office/drawing/2014/main" id="{732E35D4-0703-F734-96B9-4E55129295B6}"/>
+                <a16:creationId xmlns:a16="http://schemas.microsoft.com/office/drawing/2014/main" id="{BB79565E-D018-61AB-8BF6-DCAC9D7FFA3D}"/>
               </a:ext>
             </a:extLst>
           </p:cNvPr>
@@ -1730,7 +1730,7 @@
           <p:cNvPr id="6" name="内容占位符 5">
             <a:extLst>
               <a:ext uri="{FF2B5EF4-FFF2-40B4-BE49-F238E27FC236}">
-                <a16:creationId xmlns:a16="http://schemas.microsoft.com/office/drawing/2014/main" id="{85C68820-5178-04D9-A692-D4CC3052DCE0}"/>
+                <a16:creationId xmlns:a16="http://schemas.microsoft.com/office/drawing/2014/main" id="{7AA19E99-3F97-3A11-2463-47E5AA89D594}"/>
               </a:ext>
             </a:extLst>
           </p:cNvPr>
@@ -1792,7 +1792,7 @@
           <p:cNvPr id="7" name="日期占位符 6">
             <a:extLst>
               <a:ext uri="{FF2B5EF4-FFF2-40B4-BE49-F238E27FC236}">
-                <a16:creationId xmlns:a16="http://schemas.microsoft.com/office/drawing/2014/main" id="{95BC7096-245B-FA6D-2A06-A0D9D4438982}"/>
+                <a16:creationId xmlns:a16="http://schemas.microsoft.com/office/drawing/2014/main" id="{08F7905A-01AA-1116-AA79-97DA386CB230}"/>
               </a:ext>
             </a:extLst>
           </p:cNvPr>
@@ -1808,7 +1808,7 @@
           <a:bodyPr/>
           <a:lstStyle/>
           <a:p>
-            <a:fld id="{C94B0429-DBCE-45FE-9445-AA0EF2616E0B}" type="datetimeFigureOut">
+            <a:fld id="{8021D4EA-6306-4DC9-8CED-1DEE7E8F432E}" type="datetimeFigureOut">
               <a:rPr lang="zh-CN" altLang="en-US" smtClean="0"/>
               <a:t>2024/3/10</a:t>
             </a:fld>
@@ -1821,7 +1821,7 @@
           <p:cNvPr id="8" name="页脚占位符 7">
             <a:extLst>
               <a:ext uri="{FF2B5EF4-FFF2-40B4-BE49-F238E27FC236}">
-                <a16:creationId xmlns:a16="http://schemas.microsoft.com/office/drawing/2014/main" id="{E76EC167-D5F5-CADD-2CFE-13E497F72A39}"/>
+                <a16:creationId xmlns:a16="http://schemas.microsoft.com/office/drawing/2014/main" id="{CF068B9C-7B11-53D1-9FC0-38A321ADC8E0}"/>
               </a:ext>
             </a:extLst>
           </p:cNvPr>
@@ -1846,7 +1846,7 @@
           <p:cNvPr id="9" name="灯片编号占位符 8">
             <a:extLst>
               <a:ext uri="{FF2B5EF4-FFF2-40B4-BE49-F238E27FC236}">
-                <a16:creationId xmlns:a16="http://schemas.microsoft.com/office/drawing/2014/main" id="{8CDABF12-F9F0-A819-52D1-EE74B8F5E395}"/>
+                <a16:creationId xmlns:a16="http://schemas.microsoft.com/office/drawing/2014/main" id="{A1CAA1AC-9240-4397-741D-C0405E056FC1}"/>
               </a:ext>
             </a:extLst>
           </p:cNvPr>
@@ -1862,7 +1862,7 @@
           <a:bodyPr/>
           <a:lstStyle/>
           <a:p>
-            <a:fld id="{67B2B0A5-48A0-406A-82D2-F067E6E464FE}" type="slidenum">
+            <a:fld id="{77242999-78E5-4816-8714-51AC53BA007C}" type="slidenum">
               <a:rPr lang="zh-CN" altLang="en-US" smtClean="0"/>
               <a:t>‹#›</a:t>
             </a:fld>
@@ -1873,7 +1873,7 @@
     </p:spTree>
     <p:extLst>
       <p:ext uri="{BB962C8B-B14F-4D97-AF65-F5344CB8AC3E}">
-        <p14:creationId xmlns:p14="http://schemas.microsoft.com/office/powerpoint/2010/main" val="2558546305"/>
+        <p14:creationId xmlns:p14="http://schemas.microsoft.com/office/powerpoint/2010/main" val="4230429793"/>
       </p:ext>
     </p:extLst>
   </p:cSld>
@@ -1905,7 +1905,7 @@
           <p:cNvPr id="2" name="标题 1">
             <a:extLst>
               <a:ext uri="{FF2B5EF4-FFF2-40B4-BE49-F238E27FC236}">
-                <a16:creationId xmlns:a16="http://schemas.microsoft.com/office/drawing/2014/main" id="{0EE39FCC-CA87-C4E9-925B-5C8483B70EA8}"/>
+                <a16:creationId xmlns:a16="http://schemas.microsoft.com/office/drawing/2014/main" id="{16B89796-5110-A5C8-9ABE-1A98F6948C90}"/>
               </a:ext>
             </a:extLst>
           </p:cNvPr>
@@ -1933,7 +1933,7 @@
           <p:cNvPr id="3" name="日期占位符 2">
             <a:extLst>
               <a:ext uri="{FF2B5EF4-FFF2-40B4-BE49-F238E27FC236}">
-                <a16:creationId xmlns:a16="http://schemas.microsoft.com/office/drawing/2014/main" id="{FEEF7F48-D703-6030-6381-FF526C06BE10}"/>
+                <a16:creationId xmlns:a16="http://schemas.microsoft.com/office/drawing/2014/main" id="{22B0327E-6610-BFC9-516D-7D7ECD495953}"/>
               </a:ext>
             </a:extLst>
           </p:cNvPr>
@@ -1949,7 +1949,7 @@
           <a:bodyPr/>
           <a:lstStyle/>
           <a:p>
-            <a:fld id="{C94B0429-DBCE-45FE-9445-AA0EF2616E0B}" type="datetimeFigureOut">
+            <a:fld id="{8021D4EA-6306-4DC9-8CED-1DEE7E8F432E}" type="datetimeFigureOut">
               <a:rPr lang="zh-CN" altLang="en-US" smtClean="0"/>
               <a:t>2024/3/10</a:t>
             </a:fld>
@@ -1962,7 +1962,7 @@
           <p:cNvPr id="4" name="页脚占位符 3">
             <a:extLst>
               <a:ext uri="{FF2B5EF4-FFF2-40B4-BE49-F238E27FC236}">
-                <a16:creationId xmlns:a16="http://schemas.microsoft.com/office/drawing/2014/main" id="{D3E9BFE0-F6F5-73F9-84E8-C3387D7016CE}"/>
+                <a16:creationId xmlns:a16="http://schemas.microsoft.com/office/drawing/2014/main" id="{1884F389-E648-7644-31A8-FDC00D9E9085}"/>
               </a:ext>
             </a:extLst>
           </p:cNvPr>
@@ -1987,7 +1987,7 @@
           <p:cNvPr id="5" name="灯片编号占位符 4">
             <a:extLst>
               <a:ext uri="{FF2B5EF4-FFF2-40B4-BE49-F238E27FC236}">
-                <a16:creationId xmlns:a16="http://schemas.microsoft.com/office/drawing/2014/main" id="{AA7971DB-BDF1-036F-4C16-140ECEA499E2}"/>
+                <a16:creationId xmlns:a16="http://schemas.microsoft.com/office/drawing/2014/main" id="{7117E53C-9C5C-6D43-69D8-679260F66072}"/>
               </a:ext>
             </a:extLst>
           </p:cNvPr>
@@ -2003,7 +2003,7 @@
           <a:bodyPr/>
           <a:lstStyle/>
           <a:p>
-            <a:fld id="{67B2B0A5-48A0-406A-82D2-F067E6E464FE}" type="slidenum">
+            <a:fld id="{77242999-78E5-4816-8714-51AC53BA007C}" type="slidenum">
               <a:rPr lang="zh-CN" altLang="en-US" smtClean="0"/>
               <a:t>‹#›</a:t>
             </a:fld>
@@ -2014,7 +2014,7 @@
     </p:spTree>
     <p:extLst>
       <p:ext uri="{BB962C8B-B14F-4D97-AF65-F5344CB8AC3E}">
-        <p14:creationId xmlns:p14="http://schemas.microsoft.com/office/powerpoint/2010/main" val="1201682771"/>
+        <p14:creationId xmlns:p14="http://schemas.microsoft.com/office/powerpoint/2010/main" val="3963144679"/>
       </p:ext>
     </p:extLst>
   </p:cSld>
@@ -2046,7 +2046,7 @@
           <p:cNvPr id="2" name="日期占位符 1">
             <a:extLst>
               <a:ext uri="{FF2B5EF4-FFF2-40B4-BE49-F238E27FC236}">
-                <a16:creationId xmlns:a16="http://schemas.microsoft.com/office/drawing/2014/main" id="{5FDDB791-F897-69BE-6477-5959EA280D15}"/>
+                <a16:creationId xmlns:a16="http://schemas.microsoft.com/office/drawing/2014/main" id="{5374A759-E321-C879-AFCA-4E05322FB1ED}"/>
               </a:ext>
             </a:extLst>
           </p:cNvPr>
@@ -2062,7 +2062,7 @@
           <a:bodyPr/>
           <a:lstStyle/>
           <a:p>
-            <a:fld id="{C94B0429-DBCE-45FE-9445-AA0EF2616E0B}" type="datetimeFigureOut">
+            <a:fld id="{8021D4EA-6306-4DC9-8CED-1DEE7E8F432E}" type="datetimeFigureOut">
               <a:rPr lang="zh-CN" altLang="en-US" smtClean="0"/>
               <a:t>2024/3/10</a:t>
             </a:fld>
@@ -2075,7 +2075,7 @@
           <p:cNvPr id="3" name="页脚占位符 2">
             <a:extLst>
               <a:ext uri="{FF2B5EF4-FFF2-40B4-BE49-F238E27FC236}">
-                <a16:creationId xmlns:a16="http://schemas.microsoft.com/office/drawing/2014/main" id="{1A4C3067-BF32-BE49-7628-EAF27B4F2ECF}"/>
+                <a16:creationId xmlns:a16="http://schemas.microsoft.com/office/drawing/2014/main" id="{0F549328-3FB3-9259-3814-722969747311}"/>
               </a:ext>
             </a:extLst>
           </p:cNvPr>
@@ -2100,7 +2100,7 @@
           <p:cNvPr id="4" name="灯片编号占位符 3">
             <a:extLst>
               <a:ext uri="{FF2B5EF4-FFF2-40B4-BE49-F238E27FC236}">
-                <a16:creationId xmlns:a16="http://schemas.microsoft.com/office/drawing/2014/main" id="{C587C02E-2516-52C2-F4D0-41D93F0625A9}"/>
+                <a16:creationId xmlns:a16="http://schemas.microsoft.com/office/drawing/2014/main" id="{E1E5B6EE-96C4-BA11-FFD5-CA6A50D93ABB}"/>
               </a:ext>
             </a:extLst>
           </p:cNvPr>
@@ -2116,7 +2116,7 @@
           <a:bodyPr/>
           <a:lstStyle/>
           <a:p>
-            <a:fld id="{67B2B0A5-48A0-406A-82D2-F067E6E464FE}" type="slidenum">
+            <a:fld id="{77242999-78E5-4816-8714-51AC53BA007C}" type="slidenum">
               <a:rPr lang="zh-CN" altLang="en-US" smtClean="0"/>
               <a:t>‹#›</a:t>
             </a:fld>
@@ -2127,7 +2127,7 @@
     </p:spTree>
     <p:extLst>
       <p:ext uri="{BB962C8B-B14F-4D97-AF65-F5344CB8AC3E}">
-        <p14:creationId xmlns:p14="http://schemas.microsoft.com/office/powerpoint/2010/main" val="1449528200"/>
+        <p14:creationId xmlns:p14="http://schemas.microsoft.com/office/powerpoint/2010/main" val="308592720"/>
       </p:ext>
     </p:extLst>
   </p:cSld>
@@ -2159,7 +2159,7 @@
           <p:cNvPr id="2" name="标题 1">
             <a:extLst>
               <a:ext uri="{FF2B5EF4-FFF2-40B4-BE49-F238E27FC236}">
-                <a16:creationId xmlns:a16="http://schemas.microsoft.com/office/drawing/2014/main" id="{75AF7168-05D3-3D56-FC14-53B091C0886B}"/>
+                <a16:creationId xmlns:a16="http://schemas.microsoft.com/office/drawing/2014/main" id="{75B122DF-3B5A-0240-83EB-A5F94AAAF27A}"/>
               </a:ext>
             </a:extLst>
           </p:cNvPr>
@@ -2196,7 +2196,7 @@
           <p:cNvPr id="3" name="内容占位符 2">
             <a:extLst>
               <a:ext uri="{FF2B5EF4-FFF2-40B4-BE49-F238E27FC236}">
-                <a16:creationId xmlns:a16="http://schemas.microsoft.com/office/drawing/2014/main" id="{7A2968FE-2445-1C41-95AB-961408908FB6}"/>
+                <a16:creationId xmlns:a16="http://schemas.microsoft.com/office/drawing/2014/main" id="{C9F6BBA5-AF56-F9D5-0E0A-3DC0B969D291}"/>
               </a:ext>
             </a:extLst>
           </p:cNvPr>
@@ -2286,7 +2286,7 @@
           <p:cNvPr id="4" name="文本占位符 3">
             <a:extLst>
               <a:ext uri="{FF2B5EF4-FFF2-40B4-BE49-F238E27FC236}">
-                <a16:creationId xmlns:a16="http://schemas.microsoft.com/office/drawing/2014/main" id="{0BA7F429-022F-A4C4-0E80-F2F6FC0FD9C3}"/>
+                <a16:creationId xmlns:a16="http://schemas.microsoft.com/office/drawing/2014/main" id="{8B86992B-6D16-BDD4-2323-16B8CAD57ABE}"/>
               </a:ext>
             </a:extLst>
           </p:cNvPr>
@@ -2357,7 +2357,7 @@
           <p:cNvPr id="5" name="日期占位符 4">
             <a:extLst>
               <a:ext uri="{FF2B5EF4-FFF2-40B4-BE49-F238E27FC236}">
-                <a16:creationId xmlns:a16="http://schemas.microsoft.com/office/drawing/2014/main" id="{4BBAC467-3F11-B4D5-F8E4-3BF9CD85376C}"/>
+                <a16:creationId xmlns:a16="http://schemas.microsoft.com/office/drawing/2014/main" id="{3F91EF54-9A3D-AEA1-BE70-BB380D8FB492}"/>
               </a:ext>
             </a:extLst>
           </p:cNvPr>
@@ -2373,7 +2373,7 @@
           <a:bodyPr/>
           <a:lstStyle/>
           <a:p>
-            <a:fld id="{C94B0429-DBCE-45FE-9445-AA0EF2616E0B}" type="datetimeFigureOut">
+            <a:fld id="{8021D4EA-6306-4DC9-8CED-1DEE7E8F432E}" type="datetimeFigureOut">
               <a:rPr lang="zh-CN" altLang="en-US" smtClean="0"/>
               <a:t>2024/3/10</a:t>
             </a:fld>
@@ -2386,7 +2386,7 @@
           <p:cNvPr id="6" name="页脚占位符 5">
             <a:extLst>
               <a:ext uri="{FF2B5EF4-FFF2-40B4-BE49-F238E27FC236}">
-                <a16:creationId xmlns:a16="http://schemas.microsoft.com/office/drawing/2014/main" id="{F5B06135-4500-107E-923C-5ABD785E2ECD}"/>
+                <a16:creationId xmlns:a16="http://schemas.microsoft.com/office/drawing/2014/main" id="{1D6573B7-2725-4BD1-2EB0-DB2F8369F3D4}"/>
               </a:ext>
             </a:extLst>
           </p:cNvPr>
@@ -2411,7 +2411,7 @@
           <p:cNvPr id="7" name="灯片编号占位符 6">
             <a:extLst>
               <a:ext uri="{FF2B5EF4-FFF2-40B4-BE49-F238E27FC236}">
-                <a16:creationId xmlns:a16="http://schemas.microsoft.com/office/drawing/2014/main" id="{69EA9BC8-9291-82D2-1C14-259FF26144FF}"/>
+                <a16:creationId xmlns:a16="http://schemas.microsoft.com/office/drawing/2014/main" id="{E981A7FC-FDEA-B9F1-77AF-712AE657FB48}"/>
               </a:ext>
             </a:extLst>
           </p:cNvPr>
@@ -2427,7 +2427,7 @@
           <a:bodyPr/>
           <a:lstStyle/>
           <a:p>
-            <a:fld id="{67B2B0A5-48A0-406A-82D2-F067E6E464FE}" type="slidenum">
+            <a:fld id="{77242999-78E5-4816-8714-51AC53BA007C}" type="slidenum">
               <a:rPr lang="zh-CN" altLang="en-US" smtClean="0"/>
               <a:t>‹#›</a:t>
             </a:fld>
@@ -2438,7 +2438,7 @@
     </p:spTree>
     <p:extLst>
       <p:ext uri="{BB962C8B-B14F-4D97-AF65-F5344CB8AC3E}">
-        <p14:creationId xmlns:p14="http://schemas.microsoft.com/office/powerpoint/2010/main" val="3632472769"/>
+        <p14:creationId xmlns:p14="http://schemas.microsoft.com/office/powerpoint/2010/main" val="47230804"/>
       </p:ext>
     </p:extLst>
   </p:cSld>
@@ -2470,7 +2470,7 @@
           <p:cNvPr id="2" name="标题 1">
             <a:extLst>
               <a:ext uri="{FF2B5EF4-FFF2-40B4-BE49-F238E27FC236}">
-                <a16:creationId xmlns:a16="http://schemas.microsoft.com/office/drawing/2014/main" id="{ED780696-2449-2542-C1C9-24E1AC526C55}"/>
+                <a16:creationId xmlns:a16="http://schemas.microsoft.com/office/drawing/2014/main" id="{FFC41E38-68DC-7B0A-0F4A-3386F8F1F2B2}"/>
               </a:ext>
             </a:extLst>
           </p:cNvPr>
@@ -2507,7 +2507,7 @@
           <p:cNvPr id="3" name="图片占位符 2">
             <a:extLst>
               <a:ext uri="{FF2B5EF4-FFF2-40B4-BE49-F238E27FC236}">
-                <a16:creationId xmlns:a16="http://schemas.microsoft.com/office/drawing/2014/main" id="{D842CDD4-53C2-1D6A-A708-32FC6C99357F}"/>
+                <a16:creationId xmlns:a16="http://schemas.microsoft.com/office/drawing/2014/main" id="{52946A4C-0B30-6D37-BC20-2F352BDD539D}"/>
               </a:ext>
             </a:extLst>
           </p:cNvPr>
@@ -2574,7 +2574,7 @@
           <p:cNvPr id="4" name="文本占位符 3">
             <a:extLst>
               <a:ext uri="{FF2B5EF4-FFF2-40B4-BE49-F238E27FC236}">
-                <a16:creationId xmlns:a16="http://schemas.microsoft.com/office/drawing/2014/main" id="{F76EC531-9EAC-31A6-E0B1-4CC2FDEF3C2F}"/>
+                <a16:creationId xmlns:a16="http://schemas.microsoft.com/office/drawing/2014/main" id="{8CBD24B7-56D0-4250-5147-30F1E57CB389}"/>
               </a:ext>
             </a:extLst>
           </p:cNvPr>
@@ -2645,7 +2645,7 @@
           <p:cNvPr id="5" name="日期占位符 4">
             <a:extLst>
               <a:ext uri="{FF2B5EF4-FFF2-40B4-BE49-F238E27FC236}">
-                <a16:creationId xmlns:a16="http://schemas.microsoft.com/office/drawing/2014/main" id="{36E70F0C-B8FA-D26F-E378-46398B0DF674}"/>
+                <a16:creationId xmlns:a16="http://schemas.microsoft.com/office/drawing/2014/main" id="{A16AA6CF-84A7-9009-12B2-816234D68C00}"/>
               </a:ext>
             </a:extLst>
           </p:cNvPr>
@@ -2661,7 +2661,7 @@
           <a:bodyPr/>
           <a:lstStyle/>
           <a:p>
-            <a:fld id="{C94B0429-DBCE-45FE-9445-AA0EF2616E0B}" type="datetimeFigureOut">
+            <a:fld id="{8021D4EA-6306-4DC9-8CED-1DEE7E8F432E}" type="datetimeFigureOut">
               <a:rPr lang="zh-CN" altLang="en-US" smtClean="0"/>
               <a:t>2024/3/10</a:t>
             </a:fld>
@@ -2674,7 +2674,7 @@
           <p:cNvPr id="6" name="页脚占位符 5">
             <a:extLst>
               <a:ext uri="{FF2B5EF4-FFF2-40B4-BE49-F238E27FC236}">
-                <a16:creationId xmlns:a16="http://schemas.microsoft.com/office/drawing/2014/main" id="{ED7AEB82-D69D-1321-4BE3-5B1391370667}"/>
+                <a16:creationId xmlns:a16="http://schemas.microsoft.com/office/drawing/2014/main" id="{CE06B6E1-FE27-4A93-0FD7-F559CFCED6C2}"/>
               </a:ext>
             </a:extLst>
           </p:cNvPr>
@@ -2699,7 +2699,7 @@
           <p:cNvPr id="7" name="灯片编号占位符 6">
             <a:extLst>
               <a:ext uri="{FF2B5EF4-FFF2-40B4-BE49-F238E27FC236}">
-                <a16:creationId xmlns:a16="http://schemas.microsoft.com/office/drawing/2014/main" id="{DF7CF98C-1AA1-57E6-1FC4-8BC2BF28EF9D}"/>
+                <a16:creationId xmlns:a16="http://schemas.microsoft.com/office/drawing/2014/main" id="{DCAE88A6-174A-9776-EF6E-52186C270F5B}"/>
               </a:ext>
             </a:extLst>
           </p:cNvPr>
@@ -2715,7 +2715,7 @@
           <a:bodyPr/>
           <a:lstStyle/>
           <a:p>
-            <a:fld id="{67B2B0A5-48A0-406A-82D2-F067E6E464FE}" type="slidenum">
+            <a:fld id="{77242999-78E5-4816-8714-51AC53BA007C}" type="slidenum">
               <a:rPr lang="zh-CN" altLang="en-US" smtClean="0"/>
               <a:t>‹#›</a:t>
             </a:fld>
@@ -2726,7 +2726,7 @@
     </p:spTree>
     <p:extLst>
       <p:ext uri="{BB962C8B-B14F-4D97-AF65-F5344CB8AC3E}">
-        <p14:creationId xmlns:p14="http://schemas.microsoft.com/office/powerpoint/2010/main" val="837448103"/>
+        <p14:creationId xmlns:p14="http://schemas.microsoft.com/office/powerpoint/2010/main" val="3933775419"/>
       </p:ext>
     </p:extLst>
   </p:cSld>
@@ -2763,7 +2763,7 @@
           <p:cNvPr id="2" name="标题占位符 1">
             <a:extLst>
               <a:ext uri="{FF2B5EF4-FFF2-40B4-BE49-F238E27FC236}">
-                <a16:creationId xmlns:a16="http://schemas.microsoft.com/office/drawing/2014/main" id="{55FE1E39-68FB-6200-16A2-09D6F359F779}"/>
+                <a16:creationId xmlns:a16="http://schemas.microsoft.com/office/drawing/2014/main" id="{9FA4F2EF-E2ED-7C37-4A73-95F75A55D160}"/>
               </a:ext>
             </a:extLst>
           </p:cNvPr>
@@ -2801,7 +2801,7 @@
           <p:cNvPr id="3" name="文本占位符 2">
             <a:extLst>
               <a:ext uri="{FF2B5EF4-FFF2-40B4-BE49-F238E27FC236}">
-                <a16:creationId xmlns:a16="http://schemas.microsoft.com/office/drawing/2014/main" id="{37F099D8-BA73-6C2D-D864-B25FD7A3C450}"/>
+                <a16:creationId xmlns:a16="http://schemas.microsoft.com/office/drawing/2014/main" id="{5F6A2DE7-5CB7-A8C7-9284-0EFA08561EF2}"/>
               </a:ext>
             </a:extLst>
           </p:cNvPr>
@@ -2868,7 +2868,7 @@
           <p:cNvPr id="4" name="日期占位符 3">
             <a:extLst>
               <a:ext uri="{FF2B5EF4-FFF2-40B4-BE49-F238E27FC236}">
-                <a16:creationId xmlns:a16="http://schemas.microsoft.com/office/drawing/2014/main" id="{E2BA178B-B522-513D-B6A0-E33FFA0E849A}"/>
+                <a16:creationId xmlns:a16="http://schemas.microsoft.com/office/drawing/2014/main" id="{3613B5E7-87A3-B279-C3B5-048692225B23}"/>
               </a:ext>
             </a:extLst>
           </p:cNvPr>
@@ -2902,7 +2902,7 @@
             </a:lvl1pPr>
           </a:lstStyle>
           <a:p>
-            <a:fld id="{C94B0429-DBCE-45FE-9445-AA0EF2616E0B}" type="datetimeFigureOut">
+            <a:fld id="{8021D4EA-6306-4DC9-8CED-1DEE7E8F432E}" type="datetimeFigureOut">
               <a:rPr lang="zh-CN" altLang="en-US" smtClean="0"/>
               <a:t>2024/3/10</a:t>
             </a:fld>
@@ -2915,7 +2915,7 @@
           <p:cNvPr id="5" name="页脚占位符 4">
             <a:extLst>
               <a:ext uri="{FF2B5EF4-FFF2-40B4-BE49-F238E27FC236}">
-                <a16:creationId xmlns:a16="http://schemas.microsoft.com/office/drawing/2014/main" id="{CE311865-0AFB-FC2D-9549-22075790B963}"/>
+                <a16:creationId xmlns:a16="http://schemas.microsoft.com/office/drawing/2014/main" id="{B7C70492-1FB1-EF6B-8099-235C32C6F1CD}"/>
               </a:ext>
             </a:extLst>
           </p:cNvPr>
@@ -2958,7 +2958,7 @@
           <p:cNvPr id="6" name="灯片编号占位符 5">
             <a:extLst>
               <a:ext uri="{FF2B5EF4-FFF2-40B4-BE49-F238E27FC236}">
-                <a16:creationId xmlns:a16="http://schemas.microsoft.com/office/drawing/2014/main" id="{F72F2789-B442-EEEF-F50A-5F967D980697}"/>
+                <a16:creationId xmlns:a16="http://schemas.microsoft.com/office/drawing/2014/main" id="{D1488A23-54BB-457D-3CA0-ABEF036F59BE}"/>
               </a:ext>
             </a:extLst>
           </p:cNvPr>
@@ -2992,7 +2992,7 @@
             </a:lvl1pPr>
           </a:lstStyle>
           <a:p>
-            <a:fld id="{67B2B0A5-48A0-406A-82D2-F067E6E464FE}" type="slidenum">
+            <a:fld id="{77242999-78E5-4816-8714-51AC53BA007C}" type="slidenum">
               <a:rPr lang="zh-CN" altLang="en-US" smtClean="0"/>
               <a:t>‹#›</a:t>
             </a:fld>
@@ -3003,7 +3003,7 @@
     </p:spTree>
     <p:extLst>
       <p:ext uri="{BB962C8B-B14F-4D97-AF65-F5344CB8AC3E}">
-        <p14:creationId xmlns:p14="http://schemas.microsoft.com/office/powerpoint/2010/main" val="1960200936"/>
+        <p14:creationId xmlns:p14="http://schemas.microsoft.com/office/powerpoint/2010/main" val="717349386"/>
       </p:ext>
     </p:extLst>
   </p:cSld>
